--- a/files/teaching/sublinear-big-data-2.pptx
+++ b/files/teaching/sublinear-big-data-2.pptx
@@ -331,7 +331,7 @@
           <a:p>
             <a:fld id="{FBAB2709-7F5E-4641-9BA2-AF946CA8679B}" type="datetimeFigureOut">
               <a:rPr lang="en-US" smtClean="0"/>
-              <a:t>7/29/2014</a:t>
+              <a:t>8/1/2014</a:t>
             </a:fld>
             <a:endParaRPr lang="en-US"/>
           </a:p>
@@ -501,7 +501,7 @@
           <a:p>
             <a:fld id="{FBAB2709-7F5E-4641-9BA2-AF946CA8679B}" type="datetimeFigureOut">
               <a:rPr lang="en-US" smtClean="0"/>
-              <a:t>7/29/2014</a:t>
+              <a:t>8/1/2014</a:t>
             </a:fld>
             <a:endParaRPr lang="en-US"/>
           </a:p>
@@ -681,7 +681,7 @@
           <a:p>
             <a:fld id="{FBAB2709-7F5E-4641-9BA2-AF946CA8679B}" type="datetimeFigureOut">
               <a:rPr lang="en-US" smtClean="0"/>
-              <a:t>7/29/2014</a:t>
+              <a:t>8/1/2014</a:t>
             </a:fld>
             <a:endParaRPr lang="en-US"/>
           </a:p>
@@ -851,7 +851,7 @@
           <a:p>
             <a:fld id="{FBAB2709-7F5E-4641-9BA2-AF946CA8679B}" type="datetimeFigureOut">
               <a:rPr lang="en-US" smtClean="0"/>
-              <a:t>7/29/2014</a:t>
+              <a:t>8/1/2014</a:t>
             </a:fld>
             <a:endParaRPr lang="en-US"/>
           </a:p>
@@ -1097,7 +1097,7 @@
           <a:p>
             <a:fld id="{FBAB2709-7F5E-4641-9BA2-AF946CA8679B}" type="datetimeFigureOut">
               <a:rPr lang="en-US" smtClean="0"/>
-              <a:t>7/29/2014</a:t>
+              <a:t>8/1/2014</a:t>
             </a:fld>
             <a:endParaRPr lang="en-US"/>
           </a:p>
@@ -1385,7 +1385,7 @@
           <a:p>
             <a:fld id="{FBAB2709-7F5E-4641-9BA2-AF946CA8679B}" type="datetimeFigureOut">
               <a:rPr lang="en-US" smtClean="0"/>
-              <a:t>7/29/2014</a:t>
+              <a:t>8/1/2014</a:t>
             </a:fld>
             <a:endParaRPr lang="en-US"/>
           </a:p>
@@ -1807,7 +1807,7 @@
           <a:p>
             <a:fld id="{FBAB2709-7F5E-4641-9BA2-AF946CA8679B}" type="datetimeFigureOut">
               <a:rPr lang="en-US" smtClean="0"/>
-              <a:t>7/29/2014</a:t>
+              <a:t>8/1/2014</a:t>
             </a:fld>
             <a:endParaRPr lang="en-US"/>
           </a:p>
@@ -1925,7 +1925,7 @@
           <a:p>
             <a:fld id="{FBAB2709-7F5E-4641-9BA2-AF946CA8679B}" type="datetimeFigureOut">
               <a:rPr lang="en-US" smtClean="0"/>
-              <a:t>7/29/2014</a:t>
+              <a:t>8/1/2014</a:t>
             </a:fld>
             <a:endParaRPr lang="en-US"/>
           </a:p>
@@ -2020,7 +2020,7 @@
           <a:p>
             <a:fld id="{FBAB2709-7F5E-4641-9BA2-AF946CA8679B}" type="datetimeFigureOut">
               <a:rPr lang="en-US" smtClean="0"/>
-              <a:t>7/29/2014</a:t>
+              <a:t>8/1/2014</a:t>
             </a:fld>
             <a:endParaRPr lang="en-US"/>
           </a:p>
@@ -2297,7 +2297,7 @@
           <a:p>
             <a:fld id="{FBAB2709-7F5E-4641-9BA2-AF946CA8679B}" type="datetimeFigureOut">
               <a:rPr lang="en-US" smtClean="0"/>
-              <a:t>7/29/2014</a:t>
+              <a:t>8/1/2014</a:t>
             </a:fld>
             <a:endParaRPr lang="en-US"/>
           </a:p>
@@ -2550,7 +2550,7 @@
           <a:p>
             <a:fld id="{FBAB2709-7F5E-4641-9BA2-AF946CA8679B}" type="datetimeFigureOut">
               <a:rPr lang="en-US" smtClean="0"/>
-              <a:t>7/29/2014</a:t>
+              <a:t>8/1/2014</a:t>
             </a:fld>
             <a:endParaRPr lang="en-US"/>
           </a:p>
@@ -2763,7 +2763,7 @@
           <a:p>
             <a:fld id="{FBAB2709-7F5E-4641-9BA2-AF946CA8679B}" type="datetimeFigureOut">
               <a:rPr lang="en-US" smtClean="0"/>
-              <a:t>7/29/2014</a:t>
+              <a:t>8/1/2014</a:t>
             </a:fld>
             <a:endParaRPr lang="en-US"/>
           </a:p>
@@ -3410,8 +3410,8 @@
           </a:p>
         </p:txBody>
       </p:sp>
-      <mc:AlternateContent xmlns:mc="http://schemas.openxmlformats.org/markup-compatibility/2006">
-        <mc:Choice xmlns:a14="http://schemas.microsoft.com/office/drawing/2010/main" Requires="a14">
+      <mc:AlternateContent xmlns:mc="http://schemas.openxmlformats.org/markup-compatibility/2006" xmlns:a14="http://schemas.microsoft.com/office/drawing/2010/main">
+        <mc:Choice Requires="a14">
           <p:sp>
             <p:nvSpPr>
               <p:cNvPr id="3" name="Content Placeholder 2"/>
@@ -4707,7 +4707,7 @@
             </p:txBody>
           </p:sp>
         </mc:Choice>
-        <mc:Fallback>
+        <mc:Fallback xmlns="">
           <p:sp>
             <p:nvSpPr>
               <p:cNvPr id="3" name="Content Placeholder 2"/>
@@ -5178,8 +5178,8 @@
           </a:p>
         </p:txBody>
       </p:sp>
-      <mc:AlternateContent xmlns:mc="http://schemas.openxmlformats.org/markup-compatibility/2006">
-        <mc:Choice xmlns:a14="http://schemas.microsoft.com/office/drawing/2010/main" Requires="a14">
+      <mc:AlternateContent xmlns:mc="http://schemas.openxmlformats.org/markup-compatibility/2006" xmlns:a14="http://schemas.microsoft.com/office/drawing/2010/main">
+        <mc:Choice Requires="a14">
           <p:sp>
             <p:nvSpPr>
               <p:cNvPr id="3" name="Content Placeholder 2"/>
@@ -5267,13 +5267,7 @@
                                 <a:rPr lang="en-US" b="0" i="1" smtClean="0">
                                   <a:latin typeface="Cambria Math"/>
                                 </a:rPr>
-                                <m:t>−</m:t>
-                              </m:r>
-                              <m:r>
-                                <a:rPr lang="en-US" b="0" i="1" smtClean="0">
-                                  <a:latin typeface="Cambria Math"/>
-                                </a:rPr>
-                                <m:t>1</m:t>
+                                <m:t>−1</m:t>
                               </m:r>
                             </m:sup>
                           </m:sSubSup>
@@ -5333,25 +5327,7 @@
                             <a:rPr lang="en-US" b="0" i="1" smtClean="0">
                               <a:latin typeface="Cambria Math"/>
                             </a:rPr>
-                            <m:t>1</m:t>
-                          </m:r>
-                          <m:r>
-                            <a:rPr lang="en-US" b="0" i="1" smtClean="0">
-                              <a:latin typeface="Cambria Math"/>
-                            </a:rPr>
-                            <m:t>−</m:t>
-                          </m:r>
-                          <m:r>
-                            <a:rPr lang="en-US" b="0" i="1" smtClean="0">
-                              <a:latin typeface="Cambria Math"/>
-                            </a:rPr>
-                            <m:t>1</m:t>
-                          </m:r>
-                          <m:r>
-                            <a:rPr lang="en-US" b="0" i="1" smtClean="0">
-                              <a:latin typeface="Cambria Math"/>
-                            </a:rPr>
-                            <m:t>/</m:t>
+                            <m:t>1−1/</m:t>
                           </m:r>
                           <m:r>
                             <a:rPr lang="en-US" b="0" i="1" smtClean="0">
@@ -5441,13 +5417,7 @@
                               <a:rPr lang="en-US" i="1">
                                 <a:latin typeface="Cambria Math"/>
                               </a:rPr>
-                              <m:t>−</m:t>
-                            </m:r>
-                            <m:r>
-                              <a:rPr lang="en-US" i="1">
-                                <a:latin typeface="Cambria Math"/>
-                              </a:rPr>
-                              <m:t>1</m:t>
+                              <m:t>−1</m:t>
                             </m:r>
                           </m:sup>
                         </m:sSubSup>
@@ -5609,13 +5579,7 @@
                                   <a:rPr lang="en-US" b="0" i="1" smtClean="0">
                                     <a:latin typeface="Cambria Math"/>
                                   </a:rPr>
-                                  <m:t>1</m:t>
-                                </m:r>
-                                <m:r>
-                                  <a:rPr lang="en-US" b="0" i="1" smtClean="0">
-                                    <a:latin typeface="Cambria Math"/>
-                                  </a:rPr>
-                                  <m:t>−</m:t>
+                                  <m:t>1−</m:t>
                                 </m:r>
                                 <m:f>
                                   <m:fPr>
@@ -5935,7 +5899,7 @@
             </p:txBody>
           </p:sp>
         </mc:Choice>
-        <mc:Fallback>
+        <mc:Fallback xmlns="">
           <p:sp>
             <p:nvSpPr>
               <p:cNvPr id="3" name="Content Placeholder 2"/>
@@ -6308,8 +6272,8 @@
           </a:p>
         </p:txBody>
       </p:sp>
-      <mc:AlternateContent xmlns:mc="http://schemas.openxmlformats.org/markup-compatibility/2006">
-        <mc:Choice xmlns:a14="http://schemas.microsoft.com/office/drawing/2010/main" Requires="a14">
+      <mc:AlternateContent xmlns:mc="http://schemas.openxmlformats.org/markup-compatibility/2006" xmlns:a14="http://schemas.microsoft.com/office/drawing/2010/main">
+        <mc:Choice Requires="a14">
           <p:sp>
             <p:nvSpPr>
               <p:cNvPr id="3" name="Content Placeholder 2"/>
@@ -7238,7 +7202,7 @@
             </p:txBody>
           </p:sp>
         </mc:Choice>
-        <mc:Fallback>
+        <mc:Fallback xmlns="">
           <p:sp>
             <p:nvSpPr>
               <p:cNvPr id="3" name="Content Placeholder 2"/>
@@ -7642,8 +7606,8 @@
           </a:p>
         </p:txBody>
       </p:sp>
-      <mc:AlternateContent xmlns:mc="http://schemas.openxmlformats.org/markup-compatibility/2006">
-        <mc:Choice xmlns:a14="http://schemas.microsoft.com/office/drawing/2010/main" Requires="a14">
+      <mc:AlternateContent xmlns:mc="http://schemas.openxmlformats.org/markup-compatibility/2006" xmlns:a14="http://schemas.microsoft.com/office/drawing/2010/main">
+        <mc:Choice Requires="a14">
           <p:sp>
             <p:nvSpPr>
               <p:cNvPr id="3" name="Content Placeholder 2"/>
@@ -7831,13 +7795,10 @@
                       </m:sSubSupPr>
                       <m:e>
                         <m:r>
-                          <m:rPr>
-                            <m:sty m:val="p"/>
-                          </m:rPr>
-                          <a:rPr lang="en-US" b="0" i="0" smtClean="0">
-                            <a:latin typeface="Cambria Math"/>
-                          </a:rPr>
-                          <m:t>f</m:t>
+                          <a:rPr lang="en-US" b="0" i="1" smtClean="0">
+                            <a:latin typeface="Cambria Math"/>
+                          </a:rPr>
+                          <m:t>𝑓</m:t>
                         </m:r>
                       </m:e>
                       <m:sub>
@@ -8358,7 +8319,7 @@
             </p:txBody>
           </p:sp>
         </mc:Choice>
-        <mc:Fallback>
+        <mc:Fallback xmlns="">
           <p:sp>
             <p:nvSpPr>
               <p:cNvPr id="3" name="Content Placeholder 2"/>
@@ -8717,8 +8678,8 @@
           </a:p>
         </p:txBody>
       </p:sp>
-      <mc:AlternateContent xmlns:mc="http://schemas.openxmlformats.org/markup-compatibility/2006">
-        <mc:Choice xmlns:a14="http://schemas.microsoft.com/office/drawing/2010/main" Requires="a14">
+      <mc:AlternateContent xmlns:mc="http://schemas.openxmlformats.org/markup-compatibility/2006" xmlns:a14="http://schemas.microsoft.com/office/drawing/2010/main">
+        <mc:Choice Requires="a14">
           <p:sp>
             <p:nvSpPr>
               <p:cNvPr id="3" name="Content Placeholder 2"/>
@@ -9414,13 +9375,7 @@
                           <a:rPr lang="en-US" b="0" i="1" smtClean="0">
                             <a:latin typeface="Cambria Math"/>
                           </a:rPr>
-                          <m:t>0</m:t>
-                        </m:r>
-                        <m:r>
-                          <a:rPr lang="en-US" b="0" i="1" smtClean="0">
-                            <a:latin typeface="Cambria Math"/>
-                          </a:rPr>
-                          <m:t>,…, </m:t>
+                          <m:t>0,…, </m:t>
                         </m:r>
                         <m:r>
                           <a:rPr lang="en-US" b="0" i="1" smtClean="0">
@@ -9432,13 +9387,7 @@
                           <a:rPr lang="en-US" b="0" i="1" smtClean="0">
                             <a:latin typeface="Cambria Math"/>
                           </a:rPr>
-                          <m:t>−</m:t>
-                        </m:r>
-                        <m:r>
-                          <a:rPr lang="en-US" b="0" i="1" smtClean="0">
-                            <a:latin typeface="Cambria Math"/>
-                          </a:rPr>
-                          <m:t>1</m:t>
+                          <m:t>−1</m:t>
                         </m:r>
                       </m:e>
                     </m:d>
@@ -9475,13 +9424,7 @@
                           <a:rPr lang="en-US" i="1">
                             <a:latin typeface="Cambria Math"/>
                           </a:rPr>
-                          <m:t>0</m:t>
-                        </m:r>
-                        <m:r>
-                          <a:rPr lang="en-US" i="1">
-                            <a:latin typeface="Cambria Math"/>
-                          </a:rPr>
-                          <m:t>,…, </m:t>
+                          <m:t>0,…, </m:t>
                         </m:r>
                         <m:r>
                           <a:rPr lang="en-US" i="1">
@@ -9493,13 +9436,7 @@
                           <a:rPr lang="en-US" i="1">
                             <a:latin typeface="Cambria Math"/>
                           </a:rPr>
-                          <m:t>−</m:t>
-                        </m:r>
-                        <m:r>
-                          <a:rPr lang="en-US" i="1">
-                            <a:latin typeface="Cambria Math"/>
-                          </a:rPr>
-                          <m:t>1</m:t>
+                          <m:t>−1</m:t>
                         </m:r>
                       </m:e>
                     </m:d>
@@ -9603,13 +9540,7 @@
                                 <a:rPr lang="en-US" b="0" i="1" smtClean="0">
                                   <a:latin typeface="Cambria Math"/>
                                 </a:rPr>
-                                <m:t>=</m:t>
-                              </m:r>
-                              <m:r>
-                                <a:rPr lang="en-US" b="0" i="1" smtClean="0">
-                                  <a:latin typeface="Cambria Math"/>
-                                </a:rPr>
-                                <m:t>0</m:t>
+                                <m:t>=0</m:t>
                               </m:r>
                             </m:sub>
                             <m:sup>
@@ -9623,13 +9554,7 @@
                                 <a:rPr lang="en-US" b="0" i="1" smtClean="0">
                                   <a:latin typeface="Cambria Math"/>
                                 </a:rPr>
-                                <m:t>−</m:t>
-                              </m:r>
-                              <m:r>
-                                <a:rPr lang="en-US" b="0" i="1" smtClean="0">
-                                  <a:latin typeface="Cambria Math"/>
-                                </a:rPr>
-                                <m:t>1</m:t>
+                                <m:t>−1</m:t>
                               </m:r>
                             </m:sup>
                             <m:e>
@@ -9713,19 +9638,7 @@
                             <a:rPr lang="en-US" b="0" i="1" smtClean="0">
                               <a:latin typeface="Cambria Math"/>
                             </a:rPr>
-                            <m:t>:</m:t>
-                          </m:r>
-                          <m:r>
-                            <a:rPr lang="en-US" b="0" i="1" smtClean="0">
-                              <a:latin typeface="Cambria Math"/>
-                            </a:rPr>
-                            <m:t>0</m:t>
-                          </m:r>
-                          <m:r>
-                            <a:rPr lang="en-US" b="0" i="1" smtClean="0">
-                              <a:latin typeface="Cambria Math"/>
-                            </a:rPr>
-                            <m:t>≤</m:t>
+                            <m:t>:0≤</m:t>
                           </m:r>
                           <m:sSub>
                             <m:sSubPr>
@@ -9816,13 +9729,7 @@
                                 <a:rPr lang="en-US" b="0" i="1" smtClean="0">
                                   <a:latin typeface="Cambria Math"/>
                                 </a:rPr>
-                                <m:t>−</m:t>
-                              </m:r>
-                              <m:r>
-                                <a:rPr lang="en-US" b="0" i="1" smtClean="0">
-                                  <a:latin typeface="Cambria Math"/>
-                                </a:rPr>
-                                <m:t>1</m:t>
+                                <m:t>−1</m:t>
                               </m:r>
                             </m:sub>
                           </m:sSub>
@@ -9842,13 +9749,7 @@
                             <a:rPr lang="en-US" b="0" i="1" smtClean="0">
                               <a:latin typeface="Cambria Math"/>
                             </a:rPr>
-                            <m:t>−</m:t>
-                          </m:r>
-                          <m:r>
-                            <a:rPr lang="en-US" b="0" i="1" smtClean="0">
-                              <a:latin typeface="Cambria Math"/>
-                            </a:rPr>
-                            <m:t>1</m:t>
+                            <m:t>−1</m:t>
                           </m:r>
                         </m:e>
                       </m:d>
@@ -9883,7 +9784,7 @@
             </p:txBody>
           </p:sp>
         </mc:Choice>
-        <mc:Fallback>
+        <mc:Fallback xmlns="">
           <p:sp>
             <p:nvSpPr>
               <p:cNvPr id="3" name="Content Placeholder 2"/>
@@ -10260,8 +10161,8 @@
           </a:p>
         </p:txBody>
       </p:sp>
-      <mc:AlternateContent xmlns:mc="http://schemas.openxmlformats.org/markup-compatibility/2006">
-        <mc:Choice xmlns:a14="http://schemas.microsoft.com/office/drawing/2010/main" Requires="a14">
+      <mc:AlternateContent xmlns:mc="http://schemas.openxmlformats.org/markup-compatibility/2006" xmlns:a14="http://schemas.microsoft.com/office/drawing/2010/main">
+        <mc:Choice Requires="a14">
           <p:sp>
             <p:nvSpPr>
               <p:cNvPr id="3" name="Content Placeholder 2"/>
@@ -10785,7 +10686,7 @@
             </p:txBody>
           </p:sp>
         </mc:Choice>
-        <mc:Fallback>
+        <mc:Fallback xmlns="">
           <p:sp>
             <p:nvSpPr>
               <p:cNvPr id="3" name="Content Placeholder 2"/>
@@ -11229,8 +11130,8 @@
           <a:chExt cx="0" cy="0"/>
         </a:xfrm>
       </p:grpSpPr>
-      <mc:AlternateContent xmlns:mc="http://schemas.openxmlformats.org/markup-compatibility/2006">
-        <mc:Choice xmlns:a14="http://schemas.microsoft.com/office/drawing/2010/main" Requires="a14">
+      <mc:AlternateContent xmlns:mc="http://schemas.openxmlformats.org/markup-compatibility/2006" xmlns:a14="http://schemas.microsoft.com/office/drawing/2010/main">
+        <mc:Choice Requires="a14">
           <p:sp>
             <p:nvSpPr>
               <p:cNvPr id="2" name="Title 1"/>
@@ -11246,6 +11147,7 @@
               <a:bodyPr/>
               <a:lstStyle/>
               <a:p>
+                <a:pPr/>
                 <a14:m>
                   <m:oMathPara xmlns:m="http://schemas.openxmlformats.org/officeDocument/2006/math">
                     <m:oMathParaPr>
@@ -11294,7 +11196,7 @@
             </p:txBody>
           </p:sp>
         </mc:Choice>
-        <mc:Fallback>
+        <mc:Fallback xmlns="">
           <p:sp>
             <p:nvSpPr>
               <p:cNvPr id="2" name="Title 1"/>
@@ -11328,8 +11230,8 @@
           </p:sp>
         </mc:Fallback>
       </mc:AlternateContent>
-      <mc:AlternateContent xmlns:mc="http://schemas.openxmlformats.org/markup-compatibility/2006">
-        <mc:Choice xmlns:a14="http://schemas.microsoft.com/office/drawing/2010/main" Requires="a14">
+      <mc:AlternateContent xmlns:mc="http://schemas.openxmlformats.org/markup-compatibility/2006" xmlns:a14="http://schemas.microsoft.com/office/drawing/2010/main">
+        <mc:Choice Requires="a14">
           <p:sp>
             <p:nvSpPr>
               <p:cNvPr id="3" name="Content Placeholder 2"/>
@@ -11914,7 +11816,7 @@
             </p:txBody>
           </p:sp>
         </mc:Choice>
-        <mc:Fallback>
+        <mc:Fallback xmlns="">
           <p:sp>
             <p:nvSpPr>
               <p:cNvPr id="3" name="Content Placeholder 2"/>
@@ -12348,8 +12250,8 @@
           <a:chExt cx="0" cy="0"/>
         </a:xfrm>
       </p:grpSpPr>
-      <mc:AlternateContent xmlns:mc="http://schemas.openxmlformats.org/markup-compatibility/2006">
-        <mc:Choice xmlns:a14="http://schemas.microsoft.com/office/drawing/2010/main" Requires="a14">
+      <mc:AlternateContent xmlns:mc="http://schemas.openxmlformats.org/markup-compatibility/2006" xmlns:a14="http://schemas.microsoft.com/office/drawing/2010/main">
+        <mc:Choice Requires="a14">
           <p:sp>
             <p:nvSpPr>
               <p:cNvPr id="2" name="Title 1"/>
@@ -12365,6 +12267,7 @@
               <a:bodyPr/>
               <a:lstStyle/>
               <a:p>
+                <a:pPr/>
                 <a14:m>
                   <m:oMathPara xmlns:m="http://schemas.openxmlformats.org/officeDocument/2006/math">
                     <m:oMathParaPr>
@@ -12434,7 +12337,7 @@
             </p:txBody>
           </p:sp>
         </mc:Choice>
-        <mc:Fallback>
+        <mc:Fallback xmlns="">
           <p:sp>
             <p:nvSpPr>
               <p:cNvPr id="2" name="Title 1"/>
@@ -12468,8 +12371,8 @@
           </p:sp>
         </mc:Fallback>
       </mc:AlternateContent>
-      <mc:AlternateContent xmlns:mc="http://schemas.openxmlformats.org/markup-compatibility/2006">
-        <mc:Choice xmlns:a14="http://schemas.microsoft.com/office/drawing/2010/main" Requires="a14">
+      <mc:AlternateContent xmlns:mc="http://schemas.openxmlformats.org/markup-compatibility/2006" xmlns:a14="http://schemas.microsoft.com/office/drawing/2010/main">
+        <mc:Choice Requires="a14">
           <p:sp>
             <p:nvSpPr>
               <p:cNvPr id="3" name="Content Placeholder 2"/>
@@ -12591,25 +12494,7 @@
                           <a:rPr lang="en-US" b="0" i="1" smtClean="0">
                             <a:latin typeface="Cambria Math"/>
                           </a:rPr>
-                          <m:t>−</m:t>
-                        </m:r>
-                        <m:r>
-                          <a:rPr lang="en-US" b="0" i="1" smtClean="0">
-                            <a:latin typeface="Cambria Math"/>
-                          </a:rPr>
-                          <m:t>1</m:t>
-                        </m:r>
-                        <m:r>
-                          <a:rPr lang="en-US" b="0" i="1" smtClean="0">
-                            <a:latin typeface="Cambria Math"/>
-                          </a:rPr>
-                          <m:t>,</m:t>
-                        </m:r>
-                        <m:r>
-                          <a:rPr lang="en-US" b="0" i="1" smtClean="0">
-                            <a:latin typeface="Cambria Math"/>
-                          </a:rPr>
-                          <m:t>1</m:t>
+                          <m:t>−1,1</m:t>
                         </m:r>
                       </m:e>
                     </m:d>
@@ -12751,14 +12636,7 @@
                                           <a:latin typeface="Cambria Math"/>
                                           <a:ea typeface="Cambria Math"/>
                                         </a:rPr>
-                                        <m:t>=</m:t>
-                                      </m:r>
-                                      <m:r>
-                                        <a:rPr lang="en-US" b="0" i="1" smtClean="0">
-                                          <a:latin typeface="Cambria Math"/>
-                                          <a:ea typeface="Cambria Math"/>
-                                        </a:rPr>
-                                        <m:t>1</m:t>
+                                        <m:t>=1</m:t>
                                       </m:r>
                                     </m:sub>
                                     <m:sup>
@@ -12907,14 +12785,7 @@
                                   <a:latin typeface="Cambria Math"/>
                                   <a:ea typeface="Cambria Math"/>
                                 </a:rPr>
-                                <m:t>=</m:t>
-                              </m:r>
-                              <m:r>
-                                <a:rPr lang="en-US" b="0" i="1" smtClean="0">
-                                  <a:latin typeface="Cambria Math"/>
-                                  <a:ea typeface="Cambria Math"/>
-                                </a:rPr>
-                                <m:t>1</m:t>
+                                <m:t>=1</m:t>
                               </m:r>
                             </m:sub>
                             <m:sup>
@@ -13246,14 +13117,7 @@
                                   <a:latin typeface="Cambria Math"/>
                                   <a:ea typeface="Cambria Math"/>
                                 </a:rPr>
-                                <m:t>=</m:t>
-                              </m:r>
-                              <m:r>
-                                <a:rPr lang="en-US" i="1">
-                                  <a:latin typeface="Cambria Math"/>
-                                  <a:ea typeface="Cambria Math"/>
-                                </a:rPr>
-                                <m:t>1</m:t>
+                                <m:t>=1</m:t>
                               </m:r>
                             </m:sub>
                             <m:sup>
@@ -13971,7 +13835,7 @@
             </p:txBody>
           </p:sp>
         </mc:Choice>
-        <mc:Fallback>
+        <mc:Fallback xmlns="">
           <p:sp>
             <p:nvSpPr>
               <p:cNvPr id="3" name="Content Placeholder 2"/>
@@ -14366,8 +14230,8 @@
           <a:chExt cx="0" cy="0"/>
         </a:xfrm>
       </p:grpSpPr>
-      <mc:AlternateContent xmlns:mc="http://schemas.openxmlformats.org/markup-compatibility/2006">
-        <mc:Choice xmlns:a14="http://schemas.microsoft.com/office/drawing/2010/main" Requires="a14">
+      <mc:AlternateContent xmlns:mc="http://schemas.openxmlformats.org/markup-compatibility/2006" xmlns:a14="http://schemas.microsoft.com/office/drawing/2010/main">
+        <mc:Choice Requires="a14">
           <p:sp>
             <p:nvSpPr>
               <p:cNvPr id="2" name="Title 1"/>
@@ -14383,6 +14247,7 @@
               <a:bodyPr/>
               <a:lstStyle/>
               <a:p>
+                <a:pPr/>
                 <a14:m>
                   <m:oMathPara xmlns:m="http://schemas.openxmlformats.org/officeDocument/2006/math">
                     <m:oMathParaPr>
@@ -14452,7 +14317,7 @@
             </p:txBody>
           </p:sp>
         </mc:Choice>
-        <mc:Fallback>
+        <mc:Fallback xmlns="">
           <p:sp>
             <p:nvSpPr>
               <p:cNvPr id="2" name="Title 1"/>
@@ -14486,8 +14351,8 @@
           </p:sp>
         </mc:Fallback>
       </mc:AlternateContent>
-      <mc:AlternateContent xmlns:mc="http://schemas.openxmlformats.org/markup-compatibility/2006">
-        <mc:Choice xmlns:a14="http://schemas.microsoft.com/office/drawing/2010/main" Requires="a14">
+      <mc:AlternateContent xmlns:mc="http://schemas.openxmlformats.org/markup-compatibility/2006" xmlns:a14="http://schemas.microsoft.com/office/drawing/2010/main">
+        <mc:Choice Requires="a14">
           <p:sp>
             <p:nvSpPr>
               <p:cNvPr id="3" name="Content Placeholder 2"/>
@@ -16695,7 +16560,7 @@
             </p:txBody>
           </p:sp>
         </mc:Choice>
-        <mc:Fallback>
+        <mc:Fallback xmlns="">
           <p:sp>
             <p:nvSpPr>
               <p:cNvPr id="3" name="Content Placeholder 2"/>
@@ -16992,8 +16857,8 @@
           <a:chExt cx="0" cy="0"/>
         </a:xfrm>
       </p:grpSpPr>
-      <mc:AlternateContent xmlns:mc="http://schemas.openxmlformats.org/markup-compatibility/2006">
-        <mc:Choice xmlns:a14="http://schemas.microsoft.com/office/drawing/2010/main" Requires="a14">
+      <mc:AlternateContent xmlns:mc="http://schemas.openxmlformats.org/markup-compatibility/2006" xmlns:a14="http://schemas.microsoft.com/office/drawing/2010/main">
+        <mc:Choice Requires="a14">
           <p:sp>
             <p:nvSpPr>
               <p:cNvPr id="2" name="Title 1"/>
@@ -17064,7 +16929,7 @@
             </p:txBody>
           </p:sp>
         </mc:Choice>
-        <mc:Fallback>
+        <mc:Fallback xmlns="">
           <p:sp>
             <p:nvSpPr>
               <p:cNvPr id="2" name="Title 1"/>
@@ -17098,8 +16963,8 @@
           </p:sp>
         </mc:Fallback>
       </mc:AlternateContent>
-      <mc:AlternateContent xmlns:mc="http://schemas.openxmlformats.org/markup-compatibility/2006">
-        <mc:Choice xmlns:a14="http://schemas.microsoft.com/office/drawing/2010/main" Requires="a14">
+      <mc:AlternateContent xmlns:mc="http://schemas.openxmlformats.org/markup-compatibility/2006" xmlns:a14="http://schemas.microsoft.com/office/drawing/2010/main">
+        <mc:Choice Requires="a14">
           <p:sp>
             <p:nvSpPr>
               <p:cNvPr id="3" name="Content Placeholder 2"/>
@@ -17646,7 +17511,7 @@
             </p:txBody>
           </p:sp>
         </mc:Choice>
-        <mc:Fallback>
+        <mc:Fallback xmlns="">
           <p:sp>
             <p:nvSpPr>
               <p:cNvPr id="3" name="Content Placeholder 2"/>
@@ -18067,19 +17932,7 @@
                       <a:rPr lang="en-US" b="0" i="1" smtClean="0">
                         <a:latin typeface="Cambria Math"/>
                       </a:rPr>
-                      <m:t>&gt;</m:t>
-                    </m:r>
-                    <m:r>
-                      <a:rPr lang="en-US" b="0" i="1" smtClean="0">
-                        <a:latin typeface="Cambria Math"/>
-                      </a:rPr>
-                      <m:t>0</m:t>
-                    </m:r>
-                    <m:r>
-                      <a:rPr lang="en-US" b="0" i="1" smtClean="0">
-                        <a:latin typeface="Cambria Math"/>
-                      </a:rPr>
-                      <m:t>:</m:t>
+                      <m:t>&gt;0:</m:t>
                     </m:r>
                   </m:oMath>
                 </a14:m>
@@ -18243,19 +18096,7 @@
                       <a:rPr lang="en-US" b="0" i="1" smtClean="0">
                         <a:latin typeface="Cambria Math"/>
                       </a:rPr>
-                      <m:t>&gt;</m:t>
-                    </m:r>
-                    <m:r>
-                      <a:rPr lang="en-US" b="0" i="1" smtClean="0">
-                        <a:latin typeface="Cambria Math"/>
-                      </a:rPr>
-                      <m:t>0</m:t>
-                    </m:r>
-                    <m:r>
-                      <a:rPr lang="en-US" b="0" i="1" smtClean="0">
-                        <a:latin typeface="Cambria Math"/>
-                      </a:rPr>
-                      <m:t>:</m:t>
+                      <m:t>&gt;0:</m:t>
                     </m:r>
                   </m:oMath>
                 </a14:m>
@@ -18755,13 +18596,7 @@
                       <a:rPr lang="en-US" b="0" i="1" smtClean="0">
                         <a:latin typeface="Cambria Math"/>
                       </a:rPr>
-                      <m:t>1</m:t>
-                    </m:r>
-                    <m:r>
-                      <a:rPr lang="en-US" b="0" i="1" smtClean="0">
-                        <a:latin typeface="Cambria Math"/>
-                      </a:rPr>
-                      <m:t>&gt;</m:t>
+                      <m:t>1&gt;</m:t>
                     </m:r>
                     <m:r>
                       <a:rPr lang="en-US" b="0" i="1" smtClean="0">
@@ -18773,19 +18608,7 @@
                       <a:rPr lang="en-US" b="0" i="1" smtClean="0">
                         <a:latin typeface="Cambria Math"/>
                       </a:rPr>
-                      <m:t>&gt;</m:t>
-                    </m:r>
-                    <m:r>
-                      <a:rPr lang="en-US" b="0" i="1" smtClean="0">
-                        <a:latin typeface="Cambria Math"/>
-                      </a:rPr>
-                      <m:t>0</m:t>
-                    </m:r>
-                    <m:r>
-                      <a:rPr lang="en-US" b="0" i="1" smtClean="0">
-                        <a:latin typeface="Cambria Math"/>
-                      </a:rPr>
-                      <m:t>,</m:t>
+                      <m:t>&gt;0,</m:t>
                     </m:r>
                   </m:oMath>
                 </a14:m>
@@ -18883,13 +18706,7 @@
                         <a:rPr lang="en-US" b="0" i="1" smtClean="0">
                           <a:latin typeface="Cambria Math"/>
                         </a:rPr>
-                        <m:t>≤</m:t>
-                      </m:r>
-                      <m:r>
-                        <a:rPr lang="en-US" b="0" i="1" smtClean="0">
-                          <a:latin typeface="Cambria Math"/>
-                        </a:rPr>
-                        <m:t>2</m:t>
+                        <m:t>≤2</m:t>
                       </m:r>
                       <m:func>
                         <m:funcPr>
@@ -19359,8 +19176,8 @@
           <a:chExt cx="0" cy="0"/>
         </a:xfrm>
       </p:grpSpPr>
-      <mc:AlternateContent xmlns:mc="http://schemas.openxmlformats.org/markup-compatibility/2006">
-        <mc:Choice xmlns:a14="http://schemas.microsoft.com/office/drawing/2010/main" Requires="a14">
+      <mc:AlternateContent xmlns:mc="http://schemas.openxmlformats.org/markup-compatibility/2006" xmlns:a14="http://schemas.microsoft.com/office/drawing/2010/main">
+        <mc:Choice Requires="a14">
           <p:sp>
             <p:nvSpPr>
               <p:cNvPr id="2" name="Title 1"/>
@@ -19431,7 +19248,7 @@
             </p:txBody>
           </p:sp>
         </mc:Choice>
-        <mc:Fallback>
+        <mc:Fallback xmlns="">
           <p:sp>
             <p:nvSpPr>
               <p:cNvPr id="2" name="Title 1"/>
@@ -19465,8 +19282,8 @@
           </p:sp>
         </mc:Fallback>
       </mc:AlternateContent>
-      <mc:AlternateContent xmlns:mc="http://schemas.openxmlformats.org/markup-compatibility/2006">
-        <mc:Choice xmlns:a14="http://schemas.microsoft.com/office/drawing/2010/main" Requires="a14">
+      <mc:AlternateContent xmlns:mc="http://schemas.openxmlformats.org/markup-compatibility/2006" xmlns:a14="http://schemas.microsoft.com/office/drawing/2010/main">
+        <mc:Choice Requires="a14">
           <p:sp>
             <p:nvSpPr>
               <p:cNvPr id="3" name="Content Placeholder 2"/>
@@ -20147,7 +19964,7 @@
             </p:txBody>
           </p:sp>
         </mc:Choice>
-        <mc:Fallback>
+        <mc:Fallback xmlns="">
           <p:sp>
             <p:nvSpPr>
               <p:cNvPr id="3" name="Content Placeholder 2"/>
@@ -20484,8 +20301,8 @@
           <a:chExt cx="0" cy="0"/>
         </a:xfrm>
       </p:grpSpPr>
-      <mc:AlternateContent xmlns:mc="http://schemas.openxmlformats.org/markup-compatibility/2006">
-        <mc:Choice xmlns:a14="http://schemas.microsoft.com/office/drawing/2010/main" Requires="a14">
+      <mc:AlternateContent xmlns:mc="http://schemas.openxmlformats.org/markup-compatibility/2006" xmlns:a14="http://schemas.microsoft.com/office/drawing/2010/main">
+        <mc:Choice Requires="a14">
           <p:sp>
             <p:nvSpPr>
               <p:cNvPr id="2" name="Title 1"/>
@@ -20566,16 +20383,7 @@
                             </a:solidFill>
                             <a:latin typeface="Cambria Math"/>
                           </a:rPr>
-                          <m:t>1</m:t>
-                        </m:r>
-                        <m:r>
-                          <a:rPr lang="en-US" i="1">
-                            <a:solidFill>
-                              <a:srgbClr val="0070C0"/>
-                            </a:solidFill>
-                            <a:latin typeface="Cambria Math"/>
-                          </a:rPr>
-                          <m:t>+</m:t>
+                          <m:t>1+</m:t>
                         </m:r>
                         <m:r>
                           <a:rPr lang="en-US" i="1">
@@ -20671,16 +20479,7 @@
                             </a:solidFill>
                             <a:latin typeface="Cambria Math"/>
                           </a:rPr>
-                          <m:t>1</m:t>
-                        </m:r>
-                        <m:r>
-                          <a:rPr lang="en-US" i="1">
-                            <a:solidFill>
-                              <a:srgbClr val="0070C0"/>
-                            </a:solidFill>
-                            <a:latin typeface="Cambria Math"/>
-                          </a:rPr>
-                          <m:t> −</m:t>
+                          <m:t>1 −</m:t>
                         </m:r>
                         <m:r>
                           <a:rPr lang="en-US" i="1">
@@ -20713,7 +20512,7 @@
             </p:txBody>
           </p:sp>
         </mc:Choice>
-        <mc:Fallback>
+        <mc:Fallback xmlns="">
           <p:sp>
             <p:nvSpPr>
               <p:cNvPr id="2" name="Title 1"/>
@@ -20747,8 +20546,8 @@
           </p:sp>
         </mc:Fallback>
       </mc:AlternateContent>
-      <mc:AlternateContent xmlns:mc="http://schemas.openxmlformats.org/markup-compatibility/2006">
-        <mc:Choice xmlns:a14="http://schemas.microsoft.com/office/drawing/2010/main" Requires="a14">
+      <mc:AlternateContent xmlns:mc="http://schemas.openxmlformats.org/markup-compatibility/2006" xmlns:a14="http://schemas.microsoft.com/office/drawing/2010/main">
+        <mc:Choice Requires="a14">
           <p:sp>
             <p:nvSpPr>
               <p:cNvPr id="3" name="Content Placeholder 2"/>
@@ -21213,13 +21012,7 @@
                           <a:rPr lang="en-US" b="0" i="1" smtClean="0">
                             <a:latin typeface="Cambria Math"/>
                           </a:rPr>
-                          <m:t>1</m:t>
-                        </m:r>
-                        <m:r>
-                          <a:rPr lang="en-US" b="0" i="1" smtClean="0">
-                            <a:latin typeface="Cambria Math"/>
-                          </a:rPr>
-                          <m:t> −</m:t>
+                          <m:t>1 −</m:t>
                         </m:r>
                         <m:r>
                           <a:rPr lang="en-US" b="0" i="1" smtClean="0">
@@ -21305,13 +21098,7 @@
                           <a:rPr lang="en-US" b="0" i="1" smtClean="0">
                             <a:latin typeface="Cambria Math"/>
                           </a:rPr>
-                          <m:t>1</m:t>
-                        </m:r>
-                        <m:r>
-                          <a:rPr lang="en-US" b="0" i="1" smtClean="0">
-                            <a:latin typeface="Cambria Math"/>
-                          </a:rPr>
-                          <m:t>+</m:t>
+                          <m:t>1+</m:t>
                         </m:r>
                         <m:r>
                           <a:rPr lang="en-US" b="0" i="1" smtClean="0">
@@ -21395,13 +21182,7 @@
                               <a:rPr lang="en-US" b="0" i="1" smtClean="0">
                                 <a:latin typeface="Cambria Math"/>
                               </a:rPr>
-                              <m:t>=</m:t>
-                            </m:r>
-                            <m:r>
-                              <a:rPr lang="en-US" b="0" i="1" smtClean="0">
-                                <a:latin typeface="Cambria Math"/>
-                              </a:rPr>
-                              <m:t>0</m:t>
+                              <m:t>=0</m:t>
                             </m:r>
                           </m:e>
                         </m:d>
@@ -21615,13 +21396,7 @@
                               <a:rPr lang="en-US" i="1">
                                 <a:latin typeface="Cambria Math"/>
                               </a:rPr>
-                              <m:t>=</m:t>
-                            </m:r>
-                            <m:r>
-                              <a:rPr lang="en-US" i="1">
-                                <a:latin typeface="Cambria Math"/>
-                              </a:rPr>
-                              <m:t>0</m:t>
+                              <m:t>=0</m:t>
                             </m:r>
                           </m:e>
                         </m:d>
@@ -21845,13 +21620,7 @@
                       <a:rPr lang="en-US" b="0" i="1" smtClean="0">
                         <a:latin typeface="Cambria Math"/>
                       </a:rPr>
-                      <m:t>1</m:t>
-                    </m:r>
-                    <m:r>
-                      <a:rPr lang="en-US" b="0" i="1" smtClean="0">
-                        <a:latin typeface="Cambria Math"/>
-                      </a:rPr>
-                      <m:t> −</m:t>
+                      <m:t>1 −</m:t>
                     </m:r>
                     <m:r>
                       <a:rPr lang="en-US" b="0" i="1" smtClean="0">
@@ -21872,7 +21641,7 @@
             </p:txBody>
           </p:sp>
         </mc:Choice>
-        <mc:Fallback>
+        <mc:Fallback xmlns="">
           <p:sp>
             <p:nvSpPr>
               <p:cNvPr id="3" name="Content Placeholder 2"/>
@@ -22257,8 +22026,8 @@
           <a:chExt cx="0" cy="0"/>
         </a:xfrm>
       </p:grpSpPr>
-      <mc:AlternateContent xmlns:mc="http://schemas.openxmlformats.org/markup-compatibility/2006">
-        <mc:Choice xmlns:a14="http://schemas.microsoft.com/office/drawing/2010/main" Requires="a14">
+      <mc:AlternateContent xmlns:mc="http://schemas.openxmlformats.org/markup-compatibility/2006" xmlns:a14="http://schemas.microsoft.com/office/drawing/2010/main">
+        <mc:Choice Requires="a14">
           <p:sp>
             <p:nvSpPr>
               <p:cNvPr id="2" name="Title 1"/>
@@ -22463,7 +22232,7 @@
             </p:txBody>
           </p:sp>
         </mc:Choice>
-        <mc:Fallback>
+        <mc:Fallback xmlns="">
           <p:sp>
             <p:nvSpPr>
               <p:cNvPr id="2" name="Title 1"/>
@@ -22497,8 +22266,8 @@
           </p:sp>
         </mc:Fallback>
       </mc:AlternateContent>
-      <mc:AlternateContent xmlns:mc="http://schemas.openxmlformats.org/markup-compatibility/2006">
-        <mc:Choice xmlns:a14="http://schemas.microsoft.com/office/drawing/2010/main" Requires="a14">
+      <mc:AlternateContent xmlns:mc="http://schemas.openxmlformats.org/markup-compatibility/2006" xmlns:a14="http://schemas.microsoft.com/office/drawing/2010/main">
+        <mc:Choice Requires="a14">
           <p:sp>
             <p:nvSpPr>
               <p:cNvPr id="3" name="Content Placeholder 2"/>
@@ -22794,13 +22563,7 @@
                           <a:rPr lang="en-US" i="1">
                             <a:latin typeface="Cambria Math"/>
                           </a:rPr>
-                          <m:t>1</m:t>
-                        </m:r>
-                        <m:r>
-                          <a:rPr lang="en-US" i="1">
-                            <a:latin typeface="Cambria Math"/>
-                          </a:rPr>
-                          <m:t>−</m:t>
+                          <m:t>1−</m:t>
                         </m:r>
                         <m:r>
                           <a:rPr lang="en-US" i="1">
@@ -23802,7 +23565,7 @@
             </p:txBody>
           </p:sp>
         </mc:Choice>
-        <mc:Fallback>
+        <mc:Fallback xmlns="">
           <p:sp>
             <p:nvSpPr>
               <p:cNvPr id="3" name="Content Placeholder 2"/>
@@ -24339,8 +24102,8 @@
           </a:p>
         </p:txBody>
       </p:sp>
-      <mc:AlternateContent xmlns:mc="http://schemas.openxmlformats.org/markup-compatibility/2006">
-        <mc:Choice xmlns:a14="http://schemas.microsoft.com/office/drawing/2010/main" Requires="a14">
+      <mc:AlternateContent xmlns:mc="http://schemas.openxmlformats.org/markup-compatibility/2006" xmlns:a14="http://schemas.microsoft.com/office/drawing/2010/main">
+        <mc:Choice Requires="a14">
           <p:sp>
             <p:nvSpPr>
               <p:cNvPr id="3" name="Content Placeholder 2"/>
@@ -24364,9 +24127,18 @@
               <a:lstStyle/>
               <a:p>
                 <a:r>
-                  <a:rPr lang="en-US" dirty="0" smtClean="0"/>
-                  <a:t>Homepage: </a:t>
+                  <a:rPr lang="en-US" dirty="0" smtClean="0">
+                    <a:hlinkClick r:id="rId2"/>
+                  </a:rPr>
+                  <a:t>https</a:t>
                 </a:r>
+                <a:r>
+                  <a:rPr lang="en-US" dirty="0">
+                    <a:hlinkClick r:id="rId2"/>
+                  </a:rPr>
+                  <a:t>://sites.google.com/site/countminsketch/</a:t>
+                </a:r>
+                <a:endParaRPr lang="en-US" dirty="0" smtClean="0"/>
               </a:p>
               <a:p>
                 <a:r>
@@ -24415,31 +24187,7 @@
                       <a:rPr lang="en-US" i="1" dirty="0">
                         <a:latin typeface="Cambria Math"/>
                       </a:rPr>
-                      <m:t>={</m:t>
-                    </m:r>
-                    <m:r>
-                      <a:rPr lang="en-US" i="1" dirty="0">
-                        <a:latin typeface="Cambria Math"/>
-                      </a:rPr>
-                      <m:t>1</m:t>
-                    </m:r>
-                    <m:r>
-                      <a:rPr lang="en-US" i="1" dirty="0">
-                        <a:latin typeface="Cambria Math"/>
-                      </a:rPr>
-                      <m:t>, </m:t>
-                    </m:r>
-                    <m:r>
-                      <a:rPr lang="en-US" i="1" dirty="0">
-                        <a:latin typeface="Cambria Math"/>
-                      </a:rPr>
-                      <m:t>2</m:t>
-                    </m:r>
-                    <m:r>
-                      <a:rPr lang="en-US" i="1" dirty="0">
-                        <a:latin typeface="Cambria Math"/>
-                      </a:rPr>
-                      <m:t>, …, </m:t>
+                      <m:t>={1, 2, …, </m:t>
                     </m:r>
                     <m:r>
                       <a:rPr lang="en-US" b="1" i="1" dirty="0">
@@ -24584,115 +24332,7 @@
                         <a:rPr lang="en-US" i="1">
                           <a:latin typeface="Cambria Math"/>
                         </a:rPr>
-                        <m:t>=〈</m:t>
-                      </m:r>
-                      <m:r>
-                        <a:rPr lang="en-US" i="1">
-                          <a:latin typeface="Cambria Math"/>
-                        </a:rPr>
-                        <m:t>5</m:t>
-                      </m:r>
-                      <m:r>
-                        <a:rPr lang="en-US" i="1">
-                          <a:latin typeface="Cambria Math"/>
-                        </a:rPr>
-                        <m:t>, </m:t>
-                      </m:r>
-                      <m:r>
-                        <a:rPr lang="en-US" i="1">
-                          <a:latin typeface="Cambria Math"/>
-                        </a:rPr>
-                        <m:t>8</m:t>
-                      </m:r>
-                      <m:r>
-                        <a:rPr lang="en-US" i="1">
-                          <a:latin typeface="Cambria Math"/>
-                        </a:rPr>
-                        <m:t>, </m:t>
-                      </m:r>
-                      <m:r>
-                        <a:rPr lang="en-US" i="1">
-                          <a:latin typeface="Cambria Math"/>
-                        </a:rPr>
-                        <m:t>1</m:t>
-                      </m:r>
-                      <m:r>
-                        <a:rPr lang="en-US" i="1">
-                          <a:latin typeface="Cambria Math"/>
-                        </a:rPr>
-                        <m:t>, </m:t>
-                      </m:r>
-                      <m:r>
-                        <a:rPr lang="en-US" i="1">
-                          <a:latin typeface="Cambria Math"/>
-                        </a:rPr>
-                        <m:t>1</m:t>
-                      </m:r>
-                      <m:r>
-                        <a:rPr lang="en-US" i="1">
-                          <a:latin typeface="Cambria Math"/>
-                        </a:rPr>
-                        <m:t>, </m:t>
-                      </m:r>
-                      <m:r>
-                        <a:rPr lang="en-US" i="1">
-                          <a:latin typeface="Cambria Math"/>
-                        </a:rPr>
-                        <m:t>1</m:t>
-                      </m:r>
-                      <m:r>
-                        <a:rPr lang="en-US" i="1">
-                          <a:latin typeface="Cambria Math"/>
-                        </a:rPr>
-                        <m:t>, </m:t>
-                      </m:r>
-                      <m:r>
-                        <a:rPr lang="en-US" i="1">
-                          <a:latin typeface="Cambria Math"/>
-                        </a:rPr>
-                        <m:t>4</m:t>
-                      </m:r>
-                      <m:r>
-                        <a:rPr lang="en-US" i="1">
-                          <a:latin typeface="Cambria Math"/>
-                        </a:rPr>
-                        <m:t>, </m:t>
-                      </m:r>
-                      <m:r>
-                        <a:rPr lang="en-US" i="1">
-                          <a:latin typeface="Cambria Math"/>
-                        </a:rPr>
-                        <m:t>3</m:t>
-                      </m:r>
-                      <m:r>
-                        <a:rPr lang="en-US" i="1">
-                          <a:latin typeface="Cambria Math"/>
-                        </a:rPr>
-                        <m:t>, </m:t>
-                      </m:r>
-                      <m:r>
-                        <a:rPr lang="en-US" i="1">
-                          <a:latin typeface="Cambria Math"/>
-                        </a:rPr>
-                        <m:t>5</m:t>
-                      </m:r>
-                      <m:r>
-                        <a:rPr lang="en-US" i="1">
-                          <a:latin typeface="Cambria Math"/>
-                        </a:rPr>
-                        <m:t>, …, </m:t>
-                      </m:r>
-                      <m:r>
-                        <a:rPr lang="en-US" i="1">
-                          <a:latin typeface="Cambria Math"/>
-                        </a:rPr>
-                        <m:t>10</m:t>
-                      </m:r>
-                      <m:r>
-                        <a:rPr lang="en-US" i="1">
-                          <a:latin typeface="Cambria Math"/>
-                        </a:rPr>
-                        <m:t>〉</m:t>
+                        <m:t>=〈5, 8, 1, 1, 1, 4, 3, 5, …, 10〉</m:t>
                       </m:r>
                     </m:oMath>
                   </m:oMathPara>
@@ -25126,43 +24766,7 @@
                         </a:solidFill>
                         <a:latin typeface="Cambria Math"/>
                       </a:rPr>
-                      <m:t>∈[</m:t>
-                    </m:r>
-                    <m:r>
-                      <a:rPr lang="en-US" b="0" i="1" smtClean="0">
-                        <a:solidFill>
-                          <a:schemeClr val="tx1"/>
-                        </a:solidFill>
-                        <a:latin typeface="Cambria Math"/>
-                      </a:rPr>
-                      <m:t>0</m:t>
-                    </m:r>
-                    <m:r>
-                      <a:rPr lang="en-US" b="0" i="1" smtClean="0">
-                        <a:solidFill>
-                          <a:schemeClr val="tx1"/>
-                        </a:solidFill>
-                        <a:latin typeface="Cambria Math"/>
-                      </a:rPr>
-                      <m:t>,</m:t>
-                    </m:r>
-                    <m:r>
-                      <a:rPr lang="en-US" b="0" i="1" smtClean="0">
-                        <a:solidFill>
-                          <a:schemeClr val="tx1"/>
-                        </a:solidFill>
-                        <a:latin typeface="Cambria Math"/>
-                      </a:rPr>
-                      <m:t>1</m:t>
-                    </m:r>
-                    <m:r>
-                      <a:rPr lang="en-US" b="0" i="1" smtClean="0">
-                        <a:solidFill>
-                          <a:schemeClr val="tx1"/>
-                        </a:solidFill>
-                        <a:latin typeface="Cambria Math"/>
-                      </a:rPr>
-                      <m:t>]</m:t>
+                      <m:t>∈[0,1]</m:t>
                     </m:r>
                   </m:oMath>
                 </a14:m>
@@ -25345,43 +24949,7 @@
                         </a:solidFill>
                         <a:latin typeface="Cambria Math"/>
                       </a:rPr>
-                      <m:t>∈[</m:t>
-                    </m:r>
-                    <m:r>
-                      <a:rPr lang="en-US" i="1">
-                        <a:solidFill>
-                          <a:schemeClr val="tx1"/>
-                        </a:solidFill>
-                        <a:latin typeface="Cambria Math"/>
-                      </a:rPr>
-                      <m:t>0</m:t>
-                    </m:r>
-                    <m:r>
-                      <a:rPr lang="en-US" i="1">
-                        <a:solidFill>
-                          <a:schemeClr val="tx1"/>
-                        </a:solidFill>
-                        <a:latin typeface="Cambria Math"/>
-                      </a:rPr>
-                      <m:t>,</m:t>
-                    </m:r>
-                    <m:r>
-                      <a:rPr lang="en-US" i="1">
-                        <a:solidFill>
-                          <a:schemeClr val="tx1"/>
-                        </a:solidFill>
-                        <a:latin typeface="Cambria Math"/>
-                      </a:rPr>
-                      <m:t>1</m:t>
-                    </m:r>
-                    <m:r>
-                      <a:rPr lang="en-US" i="1">
-                        <a:solidFill>
-                          <a:schemeClr val="tx1"/>
-                        </a:solidFill>
-                        <a:latin typeface="Cambria Math"/>
-                      </a:rPr>
-                      <m:t>]</m:t>
+                      <m:t>∈[0,1]</m:t>
                     </m:r>
                   </m:oMath>
                 </a14:m>
@@ -25499,7 +25067,7 @@
             </p:txBody>
           </p:sp>
         </mc:Choice>
-        <mc:Fallback>
+        <mc:Fallback xmlns="">
           <p:sp>
             <p:nvSpPr>
               <p:cNvPr id="3" name="Content Placeholder 2"/>
@@ -25516,7 +25084,7 @@
                 <a:ext cx="8229600" cy="5029200"/>
               </a:xfrm>
               <a:blipFill rotWithShape="1">
-                <a:blip r:embed="rId2"/>
+                <a:blip r:embed="rId3"/>
                 <a:stretch>
                   <a:fillRect l="-1481" t="-3152" b="-2061"/>
                 </a:stretch>
@@ -25996,8 +25564,8 @@
           </a:p>
         </p:txBody>
       </p:sp>
-      <mc:AlternateContent xmlns:mc="http://schemas.openxmlformats.org/markup-compatibility/2006">
-        <mc:Choice xmlns:a14="http://schemas.microsoft.com/office/drawing/2010/main" Requires="a14">
+      <mc:AlternateContent xmlns:mc="http://schemas.openxmlformats.org/markup-compatibility/2006" xmlns:a14="http://schemas.microsoft.com/office/drawing/2010/main">
+        <mc:Choice Requires="a14">
           <p:sp>
             <p:nvSpPr>
               <p:cNvPr id="3" name="Content Placeholder 2"/>
@@ -26772,7 +26340,7 @@
                         <m:sSub>
                           <m:sSubPr>
                             <m:ctrlPr>
-                              <a:rPr lang="en-US" b="0" i="0" smtClean="0">
+                              <a:rPr lang="en-US" b="0" i="1" smtClean="0">
                                 <a:latin typeface="Cambria Math"/>
                               </a:rPr>
                             </m:ctrlPr>
@@ -27020,7 +26588,7 @@
             </p:txBody>
           </p:sp>
         </mc:Choice>
-        <mc:Fallback>
+        <mc:Fallback xmlns="">
           <p:sp>
             <p:nvSpPr>
               <p:cNvPr id="3" name="Content Placeholder 2"/>
@@ -27473,8 +27041,8 @@
           </a:p>
         </p:txBody>
       </p:sp>
-      <mc:AlternateContent xmlns:mc="http://schemas.openxmlformats.org/markup-compatibility/2006">
-        <mc:Choice xmlns:a14="http://schemas.microsoft.com/office/drawing/2010/main" Requires="a14">
+      <mc:AlternateContent xmlns:mc="http://schemas.openxmlformats.org/markup-compatibility/2006" xmlns:a14="http://schemas.microsoft.com/office/drawing/2010/main">
+        <mc:Choice Requires="a14">
           <p:sp>
             <p:nvSpPr>
               <p:cNvPr id="3" name="Content Placeholder 2"/>
@@ -27703,36 +27271,6 @@
                         </m:r>
                       </m:sub>
                     </m:sSub>
-                    <m:r>
-                      <a:rPr lang="en-US" b="0" i="1" smtClean="0">
-                        <a:latin typeface="Cambria Math"/>
-                      </a:rPr>
-                      <m:t>, </m:t>
-                    </m:r>
-                    <m:r>
-                      <a:rPr lang="en-US" b="0" i="1" smtClean="0">
-                        <a:latin typeface="Cambria Math"/>
-                      </a:rPr>
-                      <m:t>𝑖</m:t>
-                    </m:r>
-                    <m:r>
-                      <a:rPr lang="en-US" b="0" i="1" smtClean="0">
-                        <a:latin typeface="Cambria Math"/>
-                      </a:rPr>
-                      <m:t>.</m:t>
-                    </m:r>
-                    <m:r>
-                      <a:rPr lang="en-US" b="0" i="1" smtClean="0">
-                        <a:latin typeface="Cambria Math"/>
-                      </a:rPr>
-                      <m:t>𝑒</m:t>
-                    </m:r>
-                    <m:r>
-                      <a:rPr lang="en-US" b="0" i="1" smtClean="0">
-                        <a:latin typeface="Cambria Math"/>
-                      </a:rPr>
-                      <m:t>.:</m:t>
-                    </m:r>
                   </m:oMath>
                 </a14:m>
                 <a:endParaRPr lang="en-US" b="0" dirty="0" smtClean="0"/>
@@ -28121,10 +27659,10 @@
                         </m:sSubPr>
                         <m:e>
                           <m:r>
-                            <a:rPr lang="en-US" b="0" i="1" smtClean="0">
+                            <a:rPr lang="en-US" b="1" i="1" smtClean="0">
                               <a:latin typeface="Cambria Math"/>
                             </a:rPr>
-                            <m:t>𝑍</m:t>
+                            <m:t>𝒁</m:t>
                           </m:r>
                         </m:e>
                         <m:sub>
@@ -28209,10 +27747,10 @@
                             </m:sSubPr>
                             <m:e>
                               <m:r>
-                                <a:rPr lang="en-US" b="0" i="1" smtClean="0">
+                                <a:rPr lang="en-US" b="1" i="1" smtClean="0">
                                   <a:latin typeface="Cambria Math"/>
                                 </a:rPr>
-                                <m:t>𝑋</m:t>
+                                <m:t>𝑿</m:t>
                               </m:r>
                             </m:e>
                             <m:sub>
@@ -28297,10 +27835,10 @@
                           </m:sSubPr>
                           <m:e>
                             <m:r>
-                              <a:rPr lang="en-US" b="0" i="1" smtClean="0">
+                              <a:rPr lang="en-US" b="1" i="1" smtClean="0">
                                 <a:latin typeface="Cambria Math"/>
                               </a:rPr>
-                              <m:t>𝑍</m:t>
+                              <m:t>𝒁</m:t>
                             </m:r>
                           </m:e>
                           <m:sub>
@@ -28419,11 +27957,11 @@
                           </m:sSubPr>
                           <m:e>
                             <m:r>
-                              <a:rPr lang="en-US" b="0" i="1" smtClean="0">
+                              <a:rPr lang="en-US" b="1" i="1" smtClean="0">
                                 <a:latin typeface="Cambria Math"/>
                                 <a:ea typeface="Cambria Math"/>
                               </a:rPr>
-                              <m:t>𝑋</m:t>
+                              <m:t>𝑿</m:t>
                             </m:r>
                           </m:e>
                           <m:sub>
@@ -28760,10 +28298,10 @@
                                 </m:sSubPr>
                                 <m:e>
                                   <m:r>
-                                    <a:rPr lang="en-US" b="0" i="1" smtClean="0">
+                                    <a:rPr lang="en-US" b="1" i="1" smtClean="0">
                                       <a:latin typeface="Cambria Math"/>
                                     </a:rPr>
-                                    <m:t>𝑍</m:t>
+                                    <m:t>𝒁</m:t>
                                   </m:r>
                                 </m:e>
                                 <m:sub>
@@ -28885,7 +28423,7 @@
             </p:txBody>
           </p:sp>
         </mc:Choice>
-        <mc:Fallback>
+        <mc:Fallback xmlns="">
           <p:sp>
             <p:nvSpPr>
               <p:cNvPr id="3" name="Content Placeholder 2"/>
@@ -29413,8 +28951,8 @@
           </a:p>
         </p:txBody>
       </p:sp>
-      <mc:AlternateContent xmlns:mc="http://schemas.openxmlformats.org/markup-compatibility/2006">
-        <mc:Choice xmlns:a14="http://schemas.microsoft.com/office/drawing/2010/main" Requires="a14">
+      <mc:AlternateContent xmlns:mc="http://schemas.openxmlformats.org/markup-compatibility/2006" xmlns:a14="http://schemas.microsoft.com/office/drawing/2010/main">
+        <mc:Choice Requires="a14">
           <p:sp>
             <p:nvSpPr>
               <p:cNvPr id="3" name="Content Placeholder 2"/>
@@ -30461,7 +29999,7 @@
             </p:txBody>
           </p:sp>
         </mc:Choice>
-        <mc:Fallback>
+        <mc:Fallback xmlns="">
           <p:sp>
             <p:nvSpPr>
               <p:cNvPr id="3" name="Content Placeholder 2"/>
@@ -30902,7 +30440,7 @@
             <p:spPr>
               <a:xfrm>
                 <a:off x="457200" y="1600200"/>
-                <a:ext cx="8382000" cy="5105400"/>
+                <a:ext cx="8534400" cy="5105400"/>
               </a:xfrm>
             </p:spPr>
             <p:txBody>
@@ -31365,7 +30903,7 @@
                           <m:sSub>
                             <m:sSubPr>
                               <m:ctrlPr>
-                                <a:rPr lang="en-US" b="0" i="0" smtClean="0">
+                                <a:rPr lang="en-US" b="0" i="1" smtClean="0">
                                   <a:latin typeface="Cambria Math"/>
                                 </a:rPr>
                               </m:ctrlPr>
@@ -31441,7 +30979,6 @@
                 <a:endParaRPr lang="en-US" dirty="0" smtClean="0"/>
               </a:p>
               <a:p>
-                <a:pPr/>
                 <a:endParaRPr lang="en-US" dirty="0" smtClean="0">
                   <a:solidFill>
                     <a:srgbClr val="0070C0"/>
@@ -31449,7 +30986,6 @@
                 </a:endParaRPr>
               </a:p>
               <a:p>
-                <a:pPr/>
                 <a:r>
                   <a:rPr lang="en-US" dirty="0" smtClean="0">
                     <a:solidFill>
@@ -31498,11 +31034,58 @@
                 </a14:m>
                 <a:r>
                   <a:rPr lang="en-US" dirty="0" smtClean="0"/>
-                  <a:t> can be written as a disjoint union of such intervals.</a:t>
+                  <a:t> can be written as a disjoint union of at most </a:t>
+                </a:r>
+                <a14:m>
+                  <m:oMath xmlns:m="http://schemas.openxmlformats.org/officeDocument/2006/math">
+                    <m:r>
+                      <a:rPr lang="en-US" b="0" i="1" smtClean="0">
+                        <a:latin typeface="Cambria Math"/>
+                      </a:rPr>
+                      <m:t>2</m:t>
+                    </m:r>
+                    <m:func>
+                      <m:funcPr>
+                        <m:ctrlPr>
+                          <a:rPr lang="en-US" b="0" i="1" smtClean="0">
+                            <a:latin typeface="Cambria Math"/>
+                          </a:rPr>
+                        </m:ctrlPr>
+                      </m:funcPr>
+                      <m:fName>
+                        <m:r>
+                          <m:rPr>
+                            <m:sty m:val="p"/>
+                          </m:rPr>
+                          <a:rPr lang="en-US" b="0" i="0" smtClean="0">
+                            <a:latin typeface="Cambria Math"/>
+                          </a:rPr>
+                          <m:t>log</m:t>
+                        </m:r>
+                      </m:fName>
+                      <m:e>
+                        <m:r>
+                          <a:rPr lang="en-US" b="0" i="1" smtClean="0">
+                            <a:latin typeface="Cambria Math"/>
+                          </a:rPr>
+                          <m:t>𝑛</m:t>
+                        </m:r>
+                        <m:r>
+                          <a:rPr lang="en-US" b="0" i="1" smtClean="0">
+                            <a:latin typeface="Cambria Math"/>
+                          </a:rPr>
+                          <m:t> </m:t>
+                        </m:r>
+                      </m:e>
+                    </m:func>
+                  </m:oMath>
+                </a14:m>
+                <a:r>
+                  <a:rPr lang="en-US" dirty="0" smtClean="0"/>
+                  <a:t>such intervals.</a:t>
                 </a:r>
               </a:p>
               <a:p>
-                <a:pPr/>
                 <a:r>
                   <a:rPr lang="en-US" dirty="0" smtClean="0">
                     <a:solidFill>
@@ -31621,7 +31204,7 @@
                         <m:begChr m:val="["/>
                         <m:endChr m:val="]"/>
                         <m:ctrlPr>
-                          <a:rPr lang="en-US" b="0" i="0" smtClean="0">
+                          <a:rPr lang="en-US" b="0" i="1" smtClean="0">
                             <a:solidFill>
                               <a:schemeClr val="tx1"/>
                             </a:solidFill>
@@ -31706,6 +31289,40 @@
                             <a:latin typeface="Cambria Math"/>
                           </a:rPr>
                           <m:t>97,104</m:t>
+                        </m:r>
+                      </m:e>
+                    </m:d>
+                    <m:r>
+                      <a:rPr lang="en-US" b="0" i="1" smtClean="0">
+                        <a:solidFill>
+                          <a:schemeClr val="tx1"/>
+                        </a:solidFill>
+                        <a:latin typeface="Cambria Math"/>
+                      </a:rPr>
+                      <m:t>∪</m:t>
+                    </m:r>
+                    <m:d>
+                      <m:dPr>
+                        <m:begChr m:val="["/>
+                        <m:endChr m:val="]"/>
+                        <m:ctrlPr>
+                          <a:rPr lang="en-US" b="0" i="1" smtClean="0">
+                            <a:solidFill>
+                              <a:schemeClr val="tx1"/>
+                            </a:solidFill>
+                            <a:latin typeface="Cambria Math"/>
+                          </a:rPr>
+                        </m:ctrlPr>
+                      </m:dPr>
+                      <m:e>
+                        <m:r>
+                          <a:rPr lang="en-US" b="0" i="1" smtClean="0">
+                            <a:solidFill>
+                              <a:schemeClr val="tx1"/>
+                            </a:solidFill>
+                            <a:latin typeface="Cambria Math"/>
+                          </a:rPr>
+                          <m:t>105,106</m:t>
                         </m:r>
                       </m:e>
                     </m:d>
@@ -31777,12 +31394,12 @@
             <p:spPr>
               <a:xfrm>
                 <a:off x="457200" y="1600200"/>
-                <a:ext cx="8382000" cy="5105400"/>
+                <a:ext cx="8534400" cy="5105400"/>
               </a:xfrm>
               <a:blipFill rotWithShape="1">
                 <a:blip r:embed="rId2"/>
                 <a:stretch>
-                  <a:fillRect l="-1309" t="-1792"/>
+                  <a:fillRect l="-1286" t="-1792"/>
                 </a:stretch>
               </a:blipFill>
             </p:spPr>
@@ -32302,8 +31919,8 @@
           </a:p>
         </p:txBody>
       </p:sp>
-      <mc:AlternateContent xmlns:mc="http://schemas.openxmlformats.org/markup-compatibility/2006">
-        <mc:Choice xmlns:a14="http://schemas.microsoft.com/office/drawing/2010/main" Requires="a14">
+      <mc:AlternateContent xmlns:mc="http://schemas.openxmlformats.org/markup-compatibility/2006" xmlns:a14="http://schemas.microsoft.com/office/drawing/2010/main">
+        <mc:Choice Requires="a14">
           <p:sp>
             <p:nvSpPr>
               <p:cNvPr id="3" name="Content Placeholder 2"/>
@@ -32653,13 +32270,7 @@
                             <a:rPr lang="en-US" b="0" i="1" smtClean="0">
                               <a:latin typeface="Cambria Math"/>
                             </a:rPr>
-                            <m:t>−</m:t>
-                          </m:r>
-                          <m:r>
-                            <a:rPr lang="en-US" b="0" i="1" smtClean="0">
-                              <a:latin typeface="Cambria Math"/>
-                            </a:rPr>
-                            <m:t>1</m:t>
+                            <m:t>−1</m:t>
                           </m:r>
                         </m:sub>
                       </m:sSub>
@@ -32698,7 +32309,7 @@
                         <a:rPr lang="en-US" b="0" i="1" smtClean="0">
                           <a:latin typeface="Cambria Math"/>
                         </a:rPr>
-                        <m:t>+</m:t>
+                        <m:t>−</m:t>
                       </m:r>
                       <m:r>
                         <a:rPr lang="en-US" b="0" i="1" smtClean="0">
@@ -32738,7 +32349,7 @@
             </p:txBody>
           </p:sp>
         </mc:Choice>
-        <mc:Fallback>
+        <mc:Fallback xmlns="">
           <p:sp>
             <p:nvSpPr>
               <p:cNvPr id="3" name="Content Placeholder 2"/>
@@ -33077,8 +32688,8 @@
           </a:p>
         </p:txBody>
       </p:sp>
-      <mc:AlternateContent xmlns:mc="http://schemas.openxmlformats.org/markup-compatibility/2006">
-        <mc:Choice xmlns:a14="http://schemas.microsoft.com/office/drawing/2010/main" Requires="a14">
+      <mc:AlternateContent xmlns:mc="http://schemas.openxmlformats.org/markup-compatibility/2006" xmlns:a14="http://schemas.microsoft.com/office/drawing/2010/main">
+        <mc:Choice Requires="a14">
           <p:sp>
             <p:nvSpPr>
               <p:cNvPr id="3" name="Content Placeholder 2"/>
@@ -34167,7 +33778,7 @@
             </p:txBody>
           </p:sp>
         </mc:Choice>
-        <mc:Fallback>
+        <mc:Fallback xmlns="">
           <p:sp>
             <p:nvSpPr>
               <p:cNvPr id="3" name="Content Placeholder 2"/>
@@ -34645,8 +34256,8 @@
           </a:p>
           <a:p>
             <a:r>
-              <a:rPr lang="en-US" dirty="0" err="1" smtClean="0"/>
-              <a:t>CountMin</a:t>
+              <a:rPr lang="en-US" dirty="0" smtClean="0"/>
+              <a:t>Count-Min</a:t>
             </a:r>
             <a:endParaRPr lang="en-US" dirty="0"/>
           </a:p>
@@ -34720,8 +34331,8 @@
           </a:p>
         </p:txBody>
       </p:sp>
-      <mc:AlternateContent xmlns:mc="http://schemas.openxmlformats.org/markup-compatibility/2006">
-        <mc:Choice xmlns:a14="http://schemas.microsoft.com/office/drawing/2010/main" Requires="a14">
+      <mc:AlternateContent xmlns:mc="http://schemas.openxmlformats.org/markup-compatibility/2006" xmlns:a14="http://schemas.microsoft.com/office/drawing/2010/main">
+        <mc:Choice Requires="a14">
           <p:sp>
             <p:nvSpPr>
               <p:cNvPr id="3" name="Content Placeholder 2"/>
@@ -34778,11 +34389,7 @@
                 </a14:m>
                 <a:r>
                   <a:rPr lang="en-US" dirty="0"/>
-                  <a:t> </a:t>
-                </a:r>
-                <a:r>
-                  <a:rPr lang="en-US" dirty="0"/>
-                  <a:t>find all </a:t>
+                  <a:t> find all </a:t>
                 </a:r>
                 <a14:m>
                   <m:oMath xmlns:m="http://schemas.openxmlformats.org/officeDocument/2006/math">
@@ -34953,7 +34560,7 @@
                       <a:schemeClr val="tx1"/>
                     </a:solidFill>
                   </a:rPr>
-                  <a:t>Compute Count-in sketches for each </a:t>
+                  <a:t>Compute Count-Min sketches for each </a:t>
                 </a:r>
                 <a14:m>
                   <m:oMath xmlns:m="http://schemas.openxmlformats.org/officeDocument/2006/math">
@@ -35269,7 +34876,7 @@
             </p:txBody>
           </p:sp>
         </mc:Choice>
-        <mc:Fallback>
+        <mc:Fallback xmlns="">
           <p:sp>
             <p:nvSpPr>
               <p:cNvPr id="3" name="Content Placeholder 2"/>
@@ -35838,8 +35445,8 @@
           </a:p>
         </p:txBody>
       </p:sp>
-      <mc:AlternateContent xmlns:mc="http://schemas.openxmlformats.org/markup-compatibility/2006">
-        <mc:Choice xmlns:a14="http://schemas.microsoft.com/office/drawing/2010/main" Requires="a14">
+      <mc:AlternateContent xmlns:mc="http://schemas.openxmlformats.org/markup-compatibility/2006" xmlns:a14="http://schemas.microsoft.com/office/drawing/2010/main">
+        <mc:Choice Requires="a14">
           <p:sp>
             <p:nvSpPr>
               <p:cNvPr id="3" name="Content Placeholder 2"/>
@@ -36052,19 +35659,7 @@
                         <a:rPr lang="en-US" b="0" i="1" smtClean="0">
                           <a:latin typeface="Cambria Math"/>
                         </a:rPr>
-                        <m:t>=〈5, 8, 1, 1, 1, 4, 3, </m:t>
-                      </m:r>
-                      <m:r>
-                        <a:rPr lang="en-US" b="0" i="1" smtClean="0">
-                          <a:latin typeface="Cambria Math"/>
-                        </a:rPr>
-                        <m:t>5</m:t>
-                      </m:r>
-                      <m:r>
-                        <a:rPr lang="en-US" b="0" i="1" smtClean="0">
-                          <a:latin typeface="Cambria Math"/>
-                        </a:rPr>
-                        <m:t>, …, 10〉</m:t>
+                        <m:t>=〈5, 8, 1, 1, 1, 4, 3, 5, …, 10〉</m:t>
                       </m:r>
                     </m:oMath>
                   </m:oMathPara>
@@ -36228,7 +35823,7 @@
             </p:txBody>
           </p:sp>
         </mc:Choice>
-        <mc:Fallback>
+        <mc:Fallback xmlns="">
           <p:sp>
             <p:nvSpPr>
               <p:cNvPr id="3" name="Content Placeholder 2"/>
@@ -36556,8 +36151,8 @@
           </a:p>
         </p:txBody>
       </p:sp>
-      <mc:AlternateContent xmlns:mc="http://schemas.openxmlformats.org/markup-compatibility/2006">
-        <mc:Choice xmlns:a14="http://schemas.microsoft.com/office/drawing/2010/main" Requires="a14">
+      <mc:AlternateContent xmlns:mc="http://schemas.openxmlformats.org/markup-compatibility/2006" xmlns:a14="http://schemas.microsoft.com/office/drawing/2010/main">
+        <mc:Choice Requires="a14">
           <p:sp>
             <p:nvSpPr>
               <p:cNvPr id="3" name="Content Placeholder 2"/>
@@ -37001,15 +36596,7 @@
                       <a:srgbClr val="0070C0"/>
                     </a:solidFill>
                   </a:rPr>
-                  <a:t>Algorithm</a:t>
-                </a:r>
-                <a:r>
-                  <a:rPr lang="en-US" dirty="0" smtClean="0">
-                    <a:solidFill>
-                      <a:srgbClr val="0070C0"/>
-                    </a:solidFill>
-                  </a:rPr>
-                  <a:t>: </a:t>
+                  <a:t>Algorithm: </a:t>
                 </a:r>
                 <a:r>
                   <a:rPr lang="en-US" dirty="0" smtClean="0"/>
@@ -37073,7 +36660,7 @@
             </p:txBody>
           </p:sp>
         </mc:Choice>
-        <mc:Fallback>
+        <mc:Fallback xmlns="">
           <p:sp>
             <p:nvSpPr>
               <p:cNvPr id="3" name="Content Placeholder 2"/>
@@ -37499,8 +37086,8 @@
           </a:p>
         </p:txBody>
       </p:sp>
-      <mc:AlternateContent xmlns:mc="http://schemas.openxmlformats.org/markup-compatibility/2006">
-        <mc:Choice xmlns:a14="http://schemas.microsoft.com/office/drawing/2010/main" Requires="a14">
+      <mc:AlternateContent xmlns:mc="http://schemas.openxmlformats.org/markup-compatibility/2006" xmlns:a14="http://schemas.microsoft.com/office/drawing/2010/main">
+        <mc:Choice Requires="a14">
           <p:sp>
             <p:nvSpPr>
               <p:cNvPr id="3" name="Content Placeholder 2"/>
@@ -37529,15 +37116,7 @@
                       <a:srgbClr val="0070C0"/>
                     </a:solidFill>
                   </a:rPr>
-                  <a:t>Problem</a:t>
-                </a:r>
-                <a:r>
-                  <a:rPr lang="en-US" dirty="0" smtClean="0">
-                    <a:solidFill>
-                      <a:srgbClr val="0070C0"/>
-                    </a:solidFill>
-                  </a:rPr>
-                  <a:t>:</a:t>
+                  <a:t>Problem:</a:t>
                 </a:r>
                 <a:r>
                   <a:rPr lang="en-US" dirty="0" smtClean="0"/>
@@ -37715,15 +37294,7 @@
                       <a:srgbClr val="0070C0"/>
                     </a:solidFill>
                   </a:rPr>
-                  <a:t>Algorithm</a:t>
-                </a:r>
-                <a:r>
-                  <a:rPr lang="en-US" dirty="0" smtClean="0">
-                    <a:solidFill>
-                      <a:srgbClr val="0070C0"/>
-                    </a:solidFill>
-                  </a:rPr>
-                  <a:t>: </a:t>
+                  <a:t>Algorithm: </a:t>
                 </a:r>
                 <a:r>
                   <a:rPr lang="en-US" dirty="0" smtClean="0"/>
@@ -37929,13 +37500,7 @@
                       <a:rPr lang="en-US" b="0" i="1" smtClean="0">
                         <a:latin typeface="Cambria Math"/>
                       </a:rPr>
-                      <m:t>1</m:t>
-                    </m:r>
-                    <m:r>
-                      <a:rPr lang="en-US" b="0" i="1" smtClean="0">
-                        <a:latin typeface="Cambria Math"/>
-                      </a:rPr>
-                      <m:t>−</m:t>
+                      <m:t>1−</m:t>
                     </m:r>
                     <m:r>
                       <a:rPr lang="en-US" b="0" i="1" smtClean="0">
@@ -37950,7 +37515,7 @@
             </p:txBody>
           </p:sp>
         </mc:Choice>
-        <mc:Fallback>
+        <mc:Fallback xmlns="">
           <p:sp>
             <p:nvSpPr>
               <p:cNvPr id="3" name="Content Placeholder 2"/>
@@ -38274,8 +37839,8 @@
           </a:p>
         </p:txBody>
       </p:sp>
-      <mc:AlternateContent xmlns:mc="http://schemas.openxmlformats.org/markup-compatibility/2006">
-        <mc:Choice xmlns:a14="http://schemas.microsoft.com/office/drawing/2010/main" Requires="a14">
+      <mc:AlternateContent xmlns:mc="http://schemas.openxmlformats.org/markup-compatibility/2006" xmlns:a14="http://schemas.microsoft.com/office/drawing/2010/main">
+        <mc:Choice Requires="a14">
           <p:sp>
             <p:nvSpPr>
               <p:cNvPr id="3" name="Content Placeholder 2"/>
@@ -39775,7 +39340,7 @@
             </p:txBody>
           </p:sp>
         </mc:Choice>
-        <mc:Fallback>
+        <mc:Fallback xmlns="">
           <p:sp>
             <p:nvSpPr>
               <p:cNvPr id="3" name="Content Placeholder 2"/>
@@ -40348,8 +39913,8 @@
           </a:p>
         </p:txBody>
       </p:sp>
-      <mc:AlternateContent xmlns:mc="http://schemas.openxmlformats.org/markup-compatibility/2006">
-        <mc:Choice xmlns:a14="http://schemas.microsoft.com/office/drawing/2010/main" Requires="a14">
+      <mc:AlternateContent xmlns:mc="http://schemas.openxmlformats.org/markup-compatibility/2006" xmlns:a14="http://schemas.microsoft.com/office/drawing/2010/main">
+        <mc:Choice Requires="a14">
           <p:sp>
             <p:nvSpPr>
               <p:cNvPr id="3" name="Content Placeholder 2"/>
@@ -41445,7 +41010,7 @@
             </p:txBody>
           </p:sp>
         </mc:Choice>
-        <mc:Fallback>
+        <mc:Fallback xmlns="">
           <p:sp>
             <p:nvSpPr>
               <p:cNvPr id="3" name="Content Placeholder 2"/>
@@ -41920,8 +41485,8 @@
           </a:p>
         </p:txBody>
       </p:sp>
-      <mc:AlternateContent xmlns:mc="http://schemas.openxmlformats.org/markup-compatibility/2006">
-        <mc:Choice xmlns:a14="http://schemas.microsoft.com/office/drawing/2010/main" Requires="a14">
+      <mc:AlternateContent xmlns:mc="http://schemas.openxmlformats.org/markup-compatibility/2006" xmlns:a14="http://schemas.microsoft.com/office/drawing/2010/main">
+        <mc:Choice Requires="a14">
           <p:sp>
             <p:nvSpPr>
               <p:cNvPr id="3" name="Content Placeholder 2"/>
@@ -42183,7 +41748,7 @@
             </p:txBody>
           </p:sp>
         </mc:Choice>
-        <mc:Fallback>
+        <mc:Fallback xmlns="">
           <p:sp>
             <p:nvSpPr>
               <p:cNvPr id="3" name="Content Placeholder 2"/>
